--- a/devLog/20200430/20200430.pptx
+++ b/devLog/20200430/20200430.pptx
@@ -5,7 +5,7 @@
     <p:sldMasterId id="2147483648" r:id="rId1"/>
   </p:sldMasterIdLst>
   <p:notesMasterIdLst>
-    <p:notesMasterId r:id="rId12"/>
+    <p:notesMasterId r:id="rId11"/>
   </p:notesMasterIdLst>
   <p:sldIdLst>
     <p:sldId id="256" r:id="rId2"/>
@@ -17,7 +17,6 @@
     <p:sldId id="262" r:id="rId8"/>
     <p:sldId id="263" r:id="rId9"/>
     <p:sldId id="264" r:id="rId10"/>
-    <p:sldId id="265" r:id="rId11"/>
   </p:sldIdLst>
   <p:sldSz cx="12192000" cy="6858000"/>
   <p:notesSz cx="6858000" cy="9144000"/>
@@ -116,6 +115,11 @@
       </a:defRPr>
     </a:lvl9pPr>
   </p:defaultTextStyle>
+  <p:extLst>
+    <p:ext uri="{EFAFB233-063F-42B5-8137-9DF3F51BA10A}">
+      <p15:sldGuideLst xmlns:p15="http://schemas.microsoft.com/office/powerpoint/2012/main"/>
+    </p:ext>
+  </p:extLst>
 </p:presentation>
 </file>
 
@@ -1084,90 +1088,6 @@
     <p:extLst>
       <p:ext uri="{BB962C8B-B14F-4D97-AF65-F5344CB8AC3E}">
         <p14:creationId xmlns:p14="http://schemas.microsoft.com/office/powerpoint/2010/main" val="196489449"/>
-      </p:ext>
-    </p:extLst>
-  </p:cSld>
-  <p:clrMapOvr>
-    <a:masterClrMapping/>
-  </p:clrMapOvr>
-</p:notes>
-</file>
-
-<file path=ppt/notesSlides/notesSlide8.xml><?xml version="1.0" encoding="utf-8"?>
-<p:notes xmlns:a="http://schemas.openxmlformats.org/drawingml/2006/main" xmlns:r="http://schemas.openxmlformats.org/officeDocument/2006/relationships" xmlns:p="http://schemas.openxmlformats.org/presentationml/2006/main">
-  <p:cSld>
-    <p:spTree>
-      <p:nvGrpSpPr>
-        <p:cNvPr id="1" name=""/>
-        <p:cNvGrpSpPr/>
-        <p:nvPr/>
-      </p:nvGrpSpPr>
-      <p:grpSpPr>
-        <a:xfrm>
-          <a:off x="0" y="0"/>
-          <a:ext cx="0" cy="0"/>
-          <a:chOff x="0" y="0"/>
-          <a:chExt cx="0" cy="0"/>
-        </a:xfrm>
-      </p:grpSpPr>
-      <p:sp>
-        <p:nvSpPr>
-          <p:cNvPr id="2" name="幻灯片图像占位符 1"/>
-          <p:cNvSpPr>
-            <a:spLocks noGrp="1" noRot="1" noChangeAspect="1"/>
-          </p:cNvSpPr>
-          <p:nvPr>
-            <p:ph type="sldImg"/>
-          </p:nvPr>
-        </p:nvSpPr>
-        <p:spPr/>
-      </p:sp>
-      <p:sp>
-        <p:nvSpPr>
-          <p:cNvPr id="3" name="备注占位符 2"/>
-          <p:cNvSpPr>
-            <a:spLocks noGrp="1"/>
-          </p:cNvSpPr>
-          <p:nvPr>
-            <p:ph type="body" idx="1"/>
-          </p:nvPr>
-        </p:nvSpPr>
-        <p:spPr/>
-        <p:txBody>
-          <a:bodyPr/>
-          <a:lstStyle/>
-          <a:p>
-            <a:endParaRPr lang="zh-CN" altLang="en-US" dirty="0"/>
-          </a:p>
-        </p:txBody>
-      </p:sp>
-      <p:sp>
-        <p:nvSpPr>
-          <p:cNvPr id="4" name="灯片编号占位符 3"/>
-          <p:cNvSpPr>
-            <a:spLocks noGrp="1"/>
-          </p:cNvSpPr>
-          <p:nvPr>
-            <p:ph type="sldNum" sz="quarter" idx="5"/>
-          </p:nvPr>
-        </p:nvSpPr>
-        <p:spPr/>
-        <p:txBody>
-          <a:bodyPr/>
-          <a:lstStyle/>
-          <a:p>
-            <a:fld id="{988231FF-3302-49E8-BC6C-B8C71F491334}" type="slidenum">
-              <a:rPr lang="zh-CN" altLang="en-US" smtClean="0"/>
-              <a:t>10</a:t>
-            </a:fld>
-            <a:endParaRPr lang="zh-CN" altLang="en-US"/>
-          </a:p>
-        </p:txBody>
-      </p:sp>
-    </p:spTree>
-    <p:extLst>
-      <p:ext uri="{BB962C8B-B14F-4D97-AF65-F5344CB8AC3E}">
-        <p14:creationId xmlns:p14="http://schemas.microsoft.com/office/powerpoint/2010/main" val="3766966345"/>
       </p:ext>
     </p:extLst>
   </p:cSld>
@@ -4436,69 +4356,6 @@
 </p:sld>
 </file>
 
-<file path=ppt/slides/slide10.xml><?xml version="1.0" encoding="utf-8"?>
-<p:sld xmlns:a="http://schemas.openxmlformats.org/drawingml/2006/main" xmlns:r="http://schemas.openxmlformats.org/officeDocument/2006/relationships" xmlns:p="http://schemas.openxmlformats.org/presentationml/2006/main">
-  <p:cSld>
-    <p:spTree>
-      <p:nvGrpSpPr>
-        <p:cNvPr id="1" name=""/>
-        <p:cNvGrpSpPr/>
-        <p:nvPr/>
-      </p:nvGrpSpPr>
-      <p:grpSpPr>
-        <a:xfrm>
-          <a:off x="0" y="0"/>
-          <a:ext cx="0" cy="0"/>
-          <a:chOff x="0" y="0"/>
-          <a:chExt cx="0" cy="0"/>
-        </a:xfrm>
-      </p:grpSpPr>
-      <p:sp>
-        <p:nvSpPr>
-          <p:cNvPr id="2" name="标题 1">
-            <a:extLst>
-              <a:ext uri="{FF2B5EF4-FFF2-40B4-BE49-F238E27FC236}">
-                <a16:creationId xmlns:a16="http://schemas.microsoft.com/office/drawing/2014/main" id="{BE01F47D-326A-4DAD-A912-F4B669681167}"/>
-              </a:ext>
-            </a:extLst>
-          </p:cNvPr>
-          <p:cNvSpPr>
-            <a:spLocks noGrp="1"/>
-          </p:cNvSpPr>
-          <p:nvPr>
-            <p:ph type="title"/>
-          </p:nvPr>
-        </p:nvSpPr>
-        <p:spPr>
-          <a:xfrm>
-            <a:off x="658090" y="212723"/>
-            <a:ext cx="10515600" cy="1325563"/>
-          </a:xfrm>
-        </p:spPr>
-        <p:txBody>
-          <a:bodyPr/>
-          <a:lstStyle/>
-          <a:p>
-            <a:r>
-              <a:rPr lang="zh-CN" altLang="en-US" dirty="0"/>
-              <a:t>附：数值数据</a:t>
-            </a:r>
-          </a:p>
-        </p:txBody>
-      </p:sp>
-    </p:spTree>
-    <p:extLst>
-      <p:ext uri="{BB962C8B-B14F-4D97-AF65-F5344CB8AC3E}">
-        <p14:creationId xmlns:p14="http://schemas.microsoft.com/office/powerpoint/2010/main" val="4228025630"/>
-      </p:ext>
-    </p:extLst>
-  </p:cSld>
-  <p:clrMapOvr>
-    <a:masterClrMapping/>
-  </p:clrMapOvr>
-</p:sld>
-</file>
-
 <file path=ppt/slides/slide2.xml><?xml version="1.0" encoding="utf-8"?>
 <p:sld xmlns:a="http://schemas.openxmlformats.org/drawingml/2006/main" xmlns:r="http://schemas.openxmlformats.org/officeDocument/2006/relationships" xmlns:p="http://schemas.openxmlformats.org/presentationml/2006/main">
   <p:cSld>
@@ -8095,10 +7952,10 @@
       </p:sp>
       <p:pic>
         <p:nvPicPr>
-          <p:cNvPr id="5" name="图片 4">
-            <a:extLst>
-              <a:ext uri="{FF2B5EF4-FFF2-40B4-BE49-F238E27FC236}">
-                <a16:creationId xmlns:a16="http://schemas.microsoft.com/office/drawing/2014/main" id="{5CF7C1A3-D70C-46B6-BA0F-C299334D28D3}"/>
+          <p:cNvPr id="3" name="图片 2">
+            <a:extLst>
+              <a:ext uri="{FF2B5EF4-FFF2-40B4-BE49-F238E27FC236}">
+                <a16:creationId xmlns:a16="http://schemas.microsoft.com/office/drawing/2014/main" id="{32955D0F-4B7E-4BB6-9E2A-D6D4EF95B93D}"/>
               </a:ext>
             </a:extLst>
           </p:cNvPr>
@@ -8108,490 +7965,44 @@
           <p:nvPr/>
         </p:nvPicPr>
         <p:blipFill>
-          <a:blip r:embed="rId3">
-            <a:extLst>
-              <a:ext uri="{28A0092B-C50C-407E-A947-70E740481C1C}">
-                <a14:useLocalDpi xmlns:a14="http://schemas.microsoft.com/office/drawing/2010/main" val="0"/>
-              </a:ext>
-            </a:extLst>
-          </a:blip>
+          <a:blip r:embed="rId3"/>
           <a:stretch>
             <a:fillRect/>
           </a:stretch>
         </p:blipFill>
         <p:spPr>
           <a:xfrm>
-            <a:off x="462280" y="2530714"/>
-            <a:ext cx="2275840" cy="1605624"/>
+            <a:off x="2604125" y="1214998"/>
+            <a:ext cx="6983750" cy="4889412"/>
           </a:xfrm>
           <a:prstGeom prst="rect">
             <a:avLst/>
           </a:prstGeom>
         </p:spPr>
       </p:pic>
-      <p:pic>
-        <p:nvPicPr>
-          <p:cNvPr id="8" name="图片 7">
-            <a:extLst>
-              <a:ext uri="{FF2B5EF4-FFF2-40B4-BE49-F238E27FC236}">
-                <a16:creationId xmlns:a16="http://schemas.microsoft.com/office/drawing/2014/main" id="{F1830B4A-9271-4B3B-8A01-B8B661EA7AA5}"/>
-              </a:ext>
-            </a:extLst>
-          </p:cNvPr>
-          <p:cNvPicPr>
-            <a:picLocks noChangeAspect="1"/>
-          </p:cNvPicPr>
+      <p:sp>
+        <p:nvSpPr>
+          <p:cNvPr id="22" name="内容占位符 2">
+            <a:extLst>
+              <a:ext uri="{FF2B5EF4-FFF2-40B4-BE49-F238E27FC236}">
+                <a16:creationId xmlns:a16="http://schemas.microsoft.com/office/drawing/2014/main" id="{71E442E8-5341-489A-8FDD-131BEB072A2A}"/>
+              </a:ext>
+            </a:extLst>
+          </p:cNvPr>
+          <p:cNvSpPr txBox="1">
+            <a:spLocks/>
+          </p:cNvSpPr>
           <p:nvPr/>
-        </p:nvPicPr>
-        <p:blipFill>
-          <a:blip r:embed="rId4">
-            <a:extLst>
-              <a:ext uri="{28A0092B-C50C-407E-A947-70E740481C1C}">
-                <a14:useLocalDpi xmlns:a14="http://schemas.microsoft.com/office/drawing/2010/main" val="0"/>
-              </a:ext>
-            </a:extLst>
-          </a:blip>
-          <a:stretch>
-            <a:fillRect/>
-          </a:stretch>
-        </p:blipFill>
+        </p:nvSpPr>
         <p:spPr>
           <a:xfrm>
-            <a:off x="4206240" y="2470631"/>
-            <a:ext cx="2308860" cy="1661312"/>
+            <a:off x="4323406" y="6102985"/>
+            <a:ext cx="3962400" cy="542292"/>
           </a:xfrm>
           <a:prstGeom prst="rect">
             <a:avLst/>
           </a:prstGeom>
         </p:spPr>
-      </p:pic>
-      <p:pic>
-        <p:nvPicPr>
-          <p:cNvPr id="10" name="图片 9">
-            <a:extLst>
-              <a:ext uri="{FF2B5EF4-FFF2-40B4-BE49-F238E27FC236}">
-                <a16:creationId xmlns:a16="http://schemas.microsoft.com/office/drawing/2014/main" id="{E6668C3B-FDE8-48AD-9245-F0658DDA93DB}"/>
-              </a:ext>
-            </a:extLst>
-          </p:cNvPr>
-          <p:cNvPicPr>
-            <a:picLocks noChangeAspect="1"/>
-          </p:cNvPicPr>
-          <p:nvPr/>
-        </p:nvPicPr>
-        <p:blipFill>
-          <a:blip r:embed="rId5">
-            <a:extLst>
-              <a:ext uri="{28A0092B-C50C-407E-A947-70E740481C1C}">
-                <a14:useLocalDpi xmlns:a14="http://schemas.microsoft.com/office/drawing/2010/main" val="0"/>
-              </a:ext>
-            </a:extLst>
-          </a:blip>
-          <a:stretch>
-            <a:fillRect/>
-          </a:stretch>
-        </p:blipFill>
-        <p:spPr>
-          <a:xfrm>
-            <a:off x="8145780" y="2450312"/>
-            <a:ext cx="2330974" cy="1731721"/>
-          </a:xfrm>
-          <a:prstGeom prst="rect">
-            <a:avLst/>
-          </a:prstGeom>
-        </p:spPr>
-      </p:pic>
-      <p:sp>
-        <p:nvSpPr>
-          <p:cNvPr id="14" name="箭头: 右 13">
-            <a:extLst>
-              <a:ext uri="{FF2B5EF4-FFF2-40B4-BE49-F238E27FC236}">
-                <a16:creationId xmlns:a16="http://schemas.microsoft.com/office/drawing/2014/main" id="{D007472D-2DB2-4B7E-B8E5-70EFD57F37E3}"/>
-              </a:ext>
-            </a:extLst>
-          </p:cNvPr>
-          <p:cNvSpPr/>
-          <p:nvPr/>
-        </p:nvSpPr>
-        <p:spPr>
-          <a:xfrm>
-            <a:off x="3131820" y="3077054"/>
-            <a:ext cx="833120" cy="280468"/>
-          </a:xfrm>
-          <a:prstGeom prst="rightArrow">
-            <a:avLst/>
-          </a:prstGeom>
-          <a:solidFill>
-            <a:schemeClr val="accent6">
-              <a:alpha val="50000"/>
-            </a:schemeClr>
-          </a:solidFill>
-          <a:ln>
-            <a:noFill/>
-          </a:ln>
-        </p:spPr>
-        <p:style>
-          <a:lnRef idx="0">
-            <a:scrgbClr r="0" g="0" b="0"/>
-          </a:lnRef>
-          <a:fillRef idx="0">
-            <a:scrgbClr r="0" g="0" b="0"/>
-          </a:fillRef>
-          <a:effectRef idx="0">
-            <a:scrgbClr r="0" g="0" b="0"/>
-          </a:effectRef>
-          <a:fontRef idx="minor">
-            <a:schemeClr val="lt1"/>
-          </a:fontRef>
-        </p:style>
-        <p:txBody>
-          <a:bodyPr rtlCol="0" anchor="ctr"/>
-          <a:lstStyle/>
-          <a:p>
-            <a:pPr algn="ctr"/>
-            <a:endParaRPr lang="zh-CN" altLang="en-US"/>
-          </a:p>
-        </p:txBody>
-      </p:sp>
-      <p:pic>
-        <p:nvPicPr>
-          <p:cNvPr id="16" name="图片 15">
-            <a:extLst>
-              <a:ext uri="{FF2B5EF4-FFF2-40B4-BE49-F238E27FC236}">
-                <a16:creationId xmlns:a16="http://schemas.microsoft.com/office/drawing/2014/main" id="{A943A0BB-020A-44A9-B87A-CD599E7DD692}"/>
-              </a:ext>
-            </a:extLst>
-          </p:cNvPr>
-          <p:cNvPicPr>
-            <a:picLocks noChangeAspect="1"/>
-          </p:cNvPicPr>
-          <p:nvPr/>
-        </p:nvPicPr>
-        <p:blipFill>
-          <a:blip r:embed="rId6">
-            <a:extLst>
-              <a:ext uri="{28A0092B-C50C-407E-A947-70E740481C1C}">
-                <a14:useLocalDpi xmlns:a14="http://schemas.microsoft.com/office/drawing/2010/main" val="0"/>
-              </a:ext>
-            </a:extLst>
-          </a:blip>
-          <a:stretch>
-            <a:fillRect/>
-          </a:stretch>
-        </p:blipFill>
-        <p:spPr>
-          <a:xfrm>
-            <a:off x="8160813" y="4882756"/>
-            <a:ext cx="2346007" cy="1705494"/>
-          </a:xfrm>
-          <a:prstGeom prst="rect">
-            <a:avLst/>
-          </a:prstGeom>
-        </p:spPr>
-      </p:pic>
-      <p:sp>
-        <p:nvSpPr>
-          <p:cNvPr id="17" name="箭头: 右 16">
-            <a:extLst>
-              <a:ext uri="{FF2B5EF4-FFF2-40B4-BE49-F238E27FC236}">
-                <a16:creationId xmlns:a16="http://schemas.microsoft.com/office/drawing/2014/main" id="{D51642BC-AE07-45FC-A7DB-9656F59D7B1F}"/>
-              </a:ext>
-            </a:extLst>
-          </p:cNvPr>
-          <p:cNvSpPr/>
-          <p:nvPr/>
-        </p:nvSpPr>
-        <p:spPr>
-          <a:xfrm rot="5400000">
-            <a:off x="9047742" y="4413089"/>
-            <a:ext cx="527050" cy="238610"/>
-          </a:xfrm>
-          <a:prstGeom prst="rightArrow">
-            <a:avLst/>
-          </a:prstGeom>
-          <a:solidFill>
-            <a:schemeClr val="accent6">
-              <a:alpha val="50000"/>
-            </a:schemeClr>
-          </a:solidFill>
-          <a:ln>
-            <a:noFill/>
-          </a:ln>
-        </p:spPr>
-        <p:style>
-          <a:lnRef idx="0">
-            <a:scrgbClr r="0" g="0" b="0"/>
-          </a:lnRef>
-          <a:fillRef idx="0">
-            <a:scrgbClr r="0" g="0" b="0"/>
-          </a:fillRef>
-          <a:effectRef idx="0">
-            <a:scrgbClr r="0" g="0" b="0"/>
-          </a:effectRef>
-          <a:fontRef idx="minor">
-            <a:schemeClr val="lt1"/>
-          </a:fontRef>
-        </p:style>
-        <p:txBody>
-          <a:bodyPr rtlCol="0" anchor="ctr"/>
-          <a:lstStyle/>
-          <a:p>
-            <a:pPr algn="ctr"/>
-            <a:endParaRPr lang="zh-CN" altLang="en-US"/>
-          </a:p>
-        </p:txBody>
-      </p:sp>
-      <p:pic>
-        <p:nvPicPr>
-          <p:cNvPr id="19" name="图片 18">
-            <a:extLst>
-              <a:ext uri="{FF2B5EF4-FFF2-40B4-BE49-F238E27FC236}">
-                <a16:creationId xmlns:a16="http://schemas.microsoft.com/office/drawing/2014/main" id="{9F958641-B0B7-4A1F-970E-08CF3A86984A}"/>
-              </a:ext>
-            </a:extLst>
-          </p:cNvPr>
-          <p:cNvPicPr>
-            <a:picLocks noChangeAspect="1"/>
-          </p:cNvPicPr>
-          <p:nvPr/>
-        </p:nvPicPr>
-        <p:blipFill>
-          <a:blip r:embed="rId7">
-            <a:extLst>
-              <a:ext uri="{28A0092B-C50C-407E-A947-70E740481C1C}">
-                <a14:useLocalDpi xmlns:a14="http://schemas.microsoft.com/office/drawing/2010/main" val="0"/>
-              </a:ext>
-            </a:extLst>
-          </a:blip>
-          <a:stretch>
-            <a:fillRect/>
-          </a:stretch>
-        </p:blipFill>
-        <p:spPr>
-          <a:xfrm>
-            <a:off x="4187666" y="4882756"/>
-            <a:ext cx="2346007" cy="1689227"/>
-          </a:xfrm>
-          <a:prstGeom prst="rect">
-            <a:avLst/>
-          </a:prstGeom>
-        </p:spPr>
-      </p:pic>
-      <p:sp>
-        <p:nvSpPr>
-          <p:cNvPr id="20" name="箭头: 右 19">
-            <a:extLst>
-              <a:ext uri="{FF2B5EF4-FFF2-40B4-BE49-F238E27FC236}">
-                <a16:creationId xmlns:a16="http://schemas.microsoft.com/office/drawing/2014/main" id="{C42B43DB-C246-446A-8707-F35AF3B5F6CB}"/>
-              </a:ext>
-            </a:extLst>
-          </p:cNvPr>
-          <p:cNvSpPr/>
-          <p:nvPr/>
-        </p:nvSpPr>
-        <p:spPr>
-          <a:xfrm>
-            <a:off x="6908800" y="3125135"/>
-            <a:ext cx="833120" cy="280468"/>
-          </a:xfrm>
-          <a:prstGeom prst="rightArrow">
-            <a:avLst/>
-          </a:prstGeom>
-          <a:solidFill>
-            <a:schemeClr val="accent6">
-              <a:alpha val="50000"/>
-            </a:schemeClr>
-          </a:solidFill>
-          <a:ln>
-            <a:noFill/>
-          </a:ln>
-        </p:spPr>
-        <p:style>
-          <a:lnRef idx="0">
-            <a:scrgbClr r="0" g="0" b="0"/>
-          </a:lnRef>
-          <a:fillRef idx="0">
-            <a:scrgbClr r="0" g="0" b="0"/>
-          </a:fillRef>
-          <a:effectRef idx="0">
-            <a:scrgbClr r="0" g="0" b="0"/>
-          </a:effectRef>
-          <a:fontRef idx="minor">
-            <a:schemeClr val="lt1"/>
-          </a:fontRef>
-        </p:style>
-        <p:txBody>
-          <a:bodyPr rtlCol="0" anchor="ctr"/>
-          <a:lstStyle/>
-          <a:p>
-            <a:pPr algn="ctr"/>
-            <a:endParaRPr lang="zh-CN" altLang="en-US"/>
-          </a:p>
-        </p:txBody>
-      </p:sp>
-      <p:sp>
-        <p:nvSpPr>
-          <p:cNvPr id="21" name="箭头: 右 20">
-            <a:extLst>
-              <a:ext uri="{FF2B5EF4-FFF2-40B4-BE49-F238E27FC236}">
-                <a16:creationId xmlns:a16="http://schemas.microsoft.com/office/drawing/2014/main" id="{7ABAA1DD-8532-493A-B44F-E3CC4A22B793}"/>
-              </a:ext>
-            </a:extLst>
-          </p:cNvPr>
-          <p:cNvSpPr/>
-          <p:nvPr/>
-        </p:nvSpPr>
-        <p:spPr>
-          <a:xfrm rot="10800000">
-            <a:off x="6908800" y="5587135"/>
-            <a:ext cx="833120" cy="280468"/>
-          </a:xfrm>
-          <a:prstGeom prst="rightArrow">
-            <a:avLst/>
-          </a:prstGeom>
-          <a:solidFill>
-            <a:schemeClr val="accent6">
-              <a:alpha val="50000"/>
-            </a:schemeClr>
-          </a:solidFill>
-          <a:ln>
-            <a:noFill/>
-          </a:ln>
-        </p:spPr>
-        <p:style>
-          <a:lnRef idx="0">
-            <a:scrgbClr r="0" g="0" b="0"/>
-          </a:lnRef>
-          <a:fillRef idx="0">
-            <a:scrgbClr r="0" g="0" b="0"/>
-          </a:fillRef>
-          <a:effectRef idx="0">
-            <a:scrgbClr r="0" g="0" b="0"/>
-          </a:effectRef>
-          <a:fontRef idx="minor">
-            <a:schemeClr val="lt1"/>
-          </a:fontRef>
-        </p:style>
-        <p:txBody>
-          <a:bodyPr rtlCol="0" anchor="ctr"/>
-          <a:lstStyle/>
-          <a:p>
-            <a:pPr algn="ctr"/>
-            <a:endParaRPr lang="zh-CN" altLang="en-US"/>
-          </a:p>
-        </p:txBody>
-      </p:sp>
-      <p:pic>
-        <p:nvPicPr>
-          <p:cNvPr id="23" name="图片 22">
-            <a:extLst>
-              <a:ext uri="{FF2B5EF4-FFF2-40B4-BE49-F238E27FC236}">
-                <a16:creationId xmlns:a16="http://schemas.microsoft.com/office/drawing/2014/main" id="{905F381B-5E90-4995-A3D1-0F0DFFA32886}"/>
-              </a:ext>
-            </a:extLst>
-          </p:cNvPr>
-          <p:cNvPicPr>
-            <a:picLocks noChangeAspect="1"/>
-          </p:cNvPicPr>
-          <p:nvPr/>
-        </p:nvPicPr>
-        <p:blipFill>
-          <a:blip r:embed="rId8">
-            <a:extLst>
-              <a:ext uri="{28A0092B-C50C-407E-A947-70E740481C1C}">
-                <a14:useLocalDpi xmlns:a14="http://schemas.microsoft.com/office/drawing/2010/main" val="0"/>
-              </a:ext>
-            </a:extLst>
-          </a:blip>
-          <a:stretch>
-            <a:fillRect/>
-          </a:stretch>
-        </p:blipFill>
-        <p:spPr>
-          <a:xfrm>
-            <a:off x="386025" y="4866489"/>
-            <a:ext cx="2352095" cy="1705494"/>
-          </a:xfrm>
-          <a:prstGeom prst="rect">
-            <a:avLst/>
-          </a:prstGeom>
-        </p:spPr>
-      </p:pic>
-      <p:sp>
-        <p:nvSpPr>
-          <p:cNvPr id="24" name="箭头: 右 23">
-            <a:extLst>
-              <a:ext uri="{FF2B5EF4-FFF2-40B4-BE49-F238E27FC236}">
-                <a16:creationId xmlns:a16="http://schemas.microsoft.com/office/drawing/2014/main" id="{0361A2A2-5F65-4CE8-BEE4-1CA598F9BFAC}"/>
-              </a:ext>
-            </a:extLst>
-          </p:cNvPr>
-          <p:cNvSpPr/>
-          <p:nvPr/>
-        </p:nvSpPr>
-        <p:spPr>
-          <a:xfrm rot="10800000">
-            <a:off x="3046333" y="5579002"/>
-            <a:ext cx="833120" cy="280468"/>
-          </a:xfrm>
-          <a:prstGeom prst="rightArrow">
-            <a:avLst/>
-          </a:prstGeom>
-          <a:solidFill>
-            <a:schemeClr val="accent6">
-              <a:alpha val="50000"/>
-            </a:schemeClr>
-          </a:solidFill>
-          <a:ln>
-            <a:noFill/>
-          </a:ln>
-        </p:spPr>
-        <p:style>
-          <a:lnRef idx="0">
-            <a:scrgbClr r="0" g="0" b="0"/>
-          </a:lnRef>
-          <a:fillRef idx="0">
-            <a:scrgbClr r="0" g="0" b="0"/>
-          </a:fillRef>
-          <a:effectRef idx="0">
-            <a:scrgbClr r="0" g="0" b="0"/>
-          </a:effectRef>
-          <a:fontRef idx="minor">
-            <a:schemeClr val="lt1"/>
-          </a:fontRef>
-        </p:style>
-        <p:txBody>
-          <a:bodyPr rtlCol="0" anchor="ctr"/>
-          <a:lstStyle/>
-          <a:p>
-            <a:pPr algn="ctr"/>
-            <a:endParaRPr lang="zh-CN" altLang="en-US"/>
-          </a:p>
-        </p:txBody>
-      </p:sp>
-      <p:sp>
-        <p:nvSpPr>
-          <p:cNvPr id="25" name="内容占位符 2">
-            <a:extLst>
-              <a:ext uri="{FF2B5EF4-FFF2-40B4-BE49-F238E27FC236}">
-                <a16:creationId xmlns:a16="http://schemas.microsoft.com/office/drawing/2014/main" id="{65B6F883-523B-48FB-8DE2-28FC88332597}"/>
-              </a:ext>
-            </a:extLst>
-          </p:cNvPr>
-          <p:cNvSpPr txBox="1">
-            <a:spLocks/>
-          </p:cNvSpPr>
-          <p:nvPr/>
-        </p:nvSpPr>
-        <p:spPr>
-          <a:xfrm>
-            <a:off x="658090" y="1518272"/>
-            <a:ext cx="9365586" cy="542292"/>
-          </a:xfrm>
-          <a:prstGeom prst="rect">
-            <a:avLst/>
-          </a:prstGeom>
-        </p:spPr>
         <p:txBody>
           <a:bodyPr vert="horz" lIns="91440" tIns="45720" rIns="91440" bIns="45720" rtlCol="0">
             <a:normAutofit/>
@@ -8769,8 +8180,32 @@
             </a:pPr>
             <a:r>
               <a:rPr lang="zh-CN" altLang="en-US" sz="2000" dirty="0"/>
-              <a:t>可明显看出二次函数图象的右移，即最优复用次数随主题数的增大而增大。</a:t>
-            </a:r>
+              <a:t>图</a:t>
+            </a:r>
+            <a:r>
+              <a:rPr lang="en-US" altLang="zh-CN" sz="2000" dirty="0"/>
+              <a:t>9. </a:t>
+            </a:r>
+            <a:r>
+              <a:rPr lang="zh-CN" altLang="en-US" sz="2000" dirty="0"/>
+              <a:t>主题数</a:t>
+            </a:r>
+            <a:r>
+              <a:rPr lang="en-US" altLang="zh-CN" sz="2000" dirty="0"/>
+              <a:t>-</a:t>
+            </a:r>
+            <a:r>
+              <a:rPr lang="zh-CN" altLang="en-US" sz="2000" dirty="0"/>
+              <a:t>最优复用次数图象</a:t>
+            </a:r>
+            <a:endParaRPr lang="en-US" altLang="zh-CN" dirty="0"/>
+          </a:p>
+          <a:p>
+            <a:pPr>
+              <a:lnSpc>
+                <a:spcPct val="130000"/>
+              </a:lnSpc>
+            </a:pPr>
             <a:endParaRPr lang="en-US" altLang="zh-CN" dirty="0"/>
           </a:p>
         </p:txBody>
